--- a/Lab_1/LAB1_Simulation.pptx
+++ b/Lab_1/LAB1_Simulation.pptx
@@ -212,6 +212,45 @@
       </pc:sldChg>
     </pc:docChg>
   </pc:docChgLst>
+  <pc:docChgLst>
+    <pc:chgData name="Trần Anh Kiệt" userId="b996d072d997ff3d" providerId="LiveId" clId="{D99FDA53-24B1-43F1-B94C-9BDDEBA5B73F}"/>
+    <pc:docChg chg="undo custSel modSld">
+      <pc:chgData name="Trần Anh Kiệt" userId="b996d072d997ff3d" providerId="LiveId" clId="{D99FDA53-24B1-43F1-B94C-9BDDEBA5B73F}" dt="2024-03-05T05:55:54.778" v="8" actId="14100"/>
+      <pc:docMkLst>
+        <pc:docMk/>
+      </pc:docMkLst>
+      <pc:sldChg chg="modSp mod">
+        <pc:chgData name="Trần Anh Kiệt" userId="b996d072d997ff3d" providerId="LiveId" clId="{D99FDA53-24B1-43F1-B94C-9BDDEBA5B73F}" dt="2024-03-05T05:35:05.997" v="3" actId="20577"/>
+        <pc:sldMkLst>
+          <pc:docMk/>
+          <pc:sldMk cId="3915778207" sldId="584"/>
+        </pc:sldMkLst>
+        <pc:spChg chg="mod">
+          <ac:chgData name="Trần Anh Kiệt" userId="b996d072d997ff3d" providerId="LiveId" clId="{D99FDA53-24B1-43F1-B94C-9BDDEBA5B73F}" dt="2024-03-05T05:35:05.997" v="3" actId="20577"/>
+          <ac:spMkLst>
+            <pc:docMk/>
+            <pc:sldMk cId="3915778207" sldId="584"/>
+            <ac:spMk id="6" creationId="{00000000-0000-0000-0000-000000000000}"/>
+          </ac:spMkLst>
+        </pc:spChg>
+      </pc:sldChg>
+      <pc:sldChg chg="modSp mod">
+        <pc:chgData name="Trần Anh Kiệt" userId="b996d072d997ff3d" providerId="LiveId" clId="{D99FDA53-24B1-43F1-B94C-9BDDEBA5B73F}" dt="2024-03-05T05:55:54.778" v="8" actId="14100"/>
+        <pc:sldMkLst>
+          <pc:docMk/>
+          <pc:sldMk cId="423123339" sldId="595"/>
+        </pc:sldMkLst>
+        <pc:spChg chg="mod">
+          <ac:chgData name="Trần Anh Kiệt" userId="b996d072d997ff3d" providerId="LiveId" clId="{D99FDA53-24B1-43F1-B94C-9BDDEBA5B73F}" dt="2024-03-05T05:55:54.778" v="8" actId="14100"/>
+          <ac:spMkLst>
+            <pc:docMk/>
+            <pc:sldMk cId="423123339" sldId="595"/>
+            <ac:spMk id="7" creationId="{00000000-0000-0000-0000-000000000000}"/>
+          </ac:spMkLst>
+        </pc:spChg>
+      </pc:sldChg>
+    </pc:docChg>
+  </pc:docChgLst>
 </pc:chgInfo>
 </file>
 
@@ -297,7 +336,7 @@
           <a:p>
             <a:fld id="{6417C3E4-834A-4FDE-8876-3ED4986C368E}" type="datetimeFigureOut">
               <a:rPr lang="en-US" smtClean="0"/>
-              <a:t>2/27/2024</a:t>
+              <a:t>3/5/2024</a:t>
             </a:fld>
             <a:endParaRPr lang="en-US"/>
           </a:p>
@@ -13051,7 +13090,7 @@
         </p:nvSpPr>
         <p:spPr>
           <a:xfrm>
-            <a:off x="1064568" y="3573016"/>
+            <a:off x="1071477" y="3581214"/>
             <a:ext cx="4032448" cy="1215717"/>
           </a:xfrm>
           <a:prstGeom prst="rect">
@@ -15849,8 +15888,8 @@
         </p:nvSpPr>
         <p:spPr>
           <a:xfrm>
-            <a:off x="2061818" y="3506263"/>
-            <a:ext cx="1944216" cy="246221"/>
+            <a:off x="2072680" y="3517581"/>
+            <a:ext cx="2607320" cy="246221"/>
           </a:xfrm>
           <a:prstGeom prst="rect">
             <a:avLst/>
@@ -16057,10 +16096,6 @@
               </a:spcAft>
               <a:buNone/>
             </a:pPr>
-            <a:r>
-              <a:rPr lang="en-US" dirty="0"/>
-              <a:t>%&gt; </a:t>
-            </a:r>
             <a:r>
               <a:rPr lang="en-US" dirty="0" err="1">
                 <a:solidFill>
